--- a/website/docs/static/kyverno-json-logo.pptx
+++ b/website/docs/static/kyverno-json-logo.pptx
@@ -6,6 +6,7 @@
   </p:sldMasterIdLst>
   <p:sldIdLst>
     <p:sldId id="259" r:id="rId2"/>
+    <p:sldId id="260" r:id="rId3"/>
   </p:sldIdLst>
   <p:sldSz cx="12192000" cy="6858000"/>
   <p:notesSz cx="6858000" cy="9144000"/>
@@ -104,6 +105,11 @@
       </a:defRPr>
     </a:lvl9pPr>
   </p:defaultTextStyle>
+  <p:extLst>
+    <p:ext uri="{EFAFB233-063F-42B5-8137-9DF3F51BA10A}">
+      <p15:sldGuideLst xmlns:p15="http://schemas.microsoft.com/office/powerpoint/2012/main"/>
+    </p:ext>
+  </p:extLst>
 </p:presentation>
 </file>
 
@@ -254,7 +260,7 @@
           <a:p>
             <a:fld id="{6A332B9E-5CA3-2C4B-BC08-DE47B91FF319}" type="datetimeFigureOut">
               <a:rPr lang="en-US" smtClean="0"/>
-              <a:t>10/15/23</a:t>
+              <a:t>10/25/23</a:t>
             </a:fld>
             <a:endParaRPr lang="en-US"/>
           </a:p>
@@ -452,7 +458,7 @@
           <a:p>
             <a:fld id="{6A332B9E-5CA3-2C4B-BC08-DE47B91FF319}" type="datetimeFigureOut">
               <a:rPr lang="en-US" smtClean="0"/>
-              <a:t>10/15/23</a:t>
+              <a:t>10/25/23</a:t>
             </a:fld>
             <a:endParaRPr lang="en-US"/>
           </a:p>
@@ -660,7 +666,7 @@
           <a:p>
             <a:fld id="{6A332B9E-5CA3-2C4B-BC08-DE47B91FF319}" type="datetimeFigureOut">
               <a:rPr lang="en-US" smtClean="0"/>
-              <a:t>10/15/23</a:t>
+              <a:t>10/25/23</a:t>
             </a:fld>
             <a:endParaRPr lang="en-US"/>
           </a:p>
@@ -858,7 +864,7 @@
           <a:p>
             <a:fld id="{6A332B9E-5CA3-2C4B-BC08-DE47B91FF319}" type="datetimeFigureOut">
               <a:rPr lang="en-US" smtClean="0"/>
-              <a:t>10/15/23</a:t>
+              <a:t>10/25/23</a:t>
             </a:fld>
             <a:endParaRPr lang="en-US"/>
           </a:p>
@@ -1133,7 +1139,7 @@
           <a:p>
             <a:fld id="{6A332B9E-5CA3-2C4B-BC08-DE47B91FF319}" type="datetimeFigureOut">
               <a:rPr lang="en-US" smtClean="0"/>
-              <a:t>10/15/23</a:t>
+              <a:t>10/25/23</a:t>
             </a:fld>
             <a:endParaRPr lang="en-US"/>
           </a:p>
@@ -1398,7 +1404,7 @@
           <a:p>
             <a:fld id="{6A332B9E-5CA3-2C4B-BC08-DE47B91FF319}" type="datetimeFigureOut">
               <a:rPr lang="en-US" smtClean="0"/>
-              <a:t>10/15/23</a:t>
+              <a:t>10/25/23</a:t>
             </a:fld>
             <a:endParaRPr lang="en-US"/>
           </a:p>
@@ -1810,7 +1816,7 @@
           <a:p>
             <a:fld id="{6A332B9E-5CA3-2C4B-BC08-DE47B91FF319}" type="datetimeFigureOut">
               <a:rPr lang="en-US" smtClean="0"/>
-              <a:t>10/15/23</a:t>
+              <a:t>10/25/23</a:t>
             </a:fld>
             <a:endParaRPr lang="en-US"/>
           </a:p>
@@ -1951,7 +1957,7 @@
           <a:p>
             <a:fld id="{6A332B9E-5CA3-2C4B-BC08-DE47B91FF319}" type="datetimeFigureOut">
               <a:rPr lang="en-US" smtClean="0"/>
-              <a:t>10/15/23</a:t>
+              <a:t>10/25/23</a:t>
             </a:fld>
             <a:endParaRPr lang="en-US"/>
           </a:p>
@@ -2064,7 +2070,7 @@
           <a:p>
             <a:fld id="{6A332B9E-5CA3-2C4B-BC08-DE47B91FF319}" type="datetimeFigureOut">
               <a:rPr lang="en-US" smtClean="0"/>
-              <a:t>10/15/23</a:t>
+              <a:t>10/25/23</a:t>
             </a:fld>
             <a:endParaRPr lang="en-US"/>
           </a:p>
@@ -2375,7 +2381,7 @@
           <a:p>
             <a:fld id="{6A332B9E-5CA3-2C4B-BC08-DE47B91FF319}" type="datetimeFigureOut">
               <a:rPr lang="en-US" smtClean="0"/>
-              <a:t>10/15/23</a:t>
+              <a:t>10/25/23</a:t>
             </a:fld>
             <a:endParaRPr lang="en-US"/>
           </a:p>
@@ -2663,7 +2669,7 @@
           <a:p>
             <a:fld id="{6A332B9E-5CA3-2C4B-BC08-DE47B91FF319}" type="datetimeFigureOut">
               <a:rPr lang="en-US" smtClean="0"/>
-              <a:t>10/15/23</a:t>
+              <a:t>10/25/23</a:t>
             </a:fld>
             <a:endParaRPr lang="en-US"/>
           </a:p>
@@ -2904,7 +2910,7 @@
           <a:p>
             <a:fld id="{6A332B9E-5CA3-2C4B-BC08-DE47B91FF319}" type="datetimeFigureOut">
               <a:rPr lang="en-US" smtClean="0"/>
-              <a:t>10/15/23</a:t>
+              <a:t>10/25/23</a:t>
             </a:fld>
             <a:endParaRPr lang="en-US"/>
           </a:p>
@@ -3522,6 +3528,174 @@
 </p:sld>
 </file>
 
+<file path=ppt/slides/slide2.xml><?xml version="1.0" encoding="utf-8"?>
+<p:sld xmlns:a="http://schemas.openxmlformats.org/drawingml/2006/main" xmlns:r="http://schemas.openxmlformats.org/officeDocument/2006/relationships" xmlns:p="http://schemas.openxmlformats.org/presentationml/2006/main">
+  <p:cSld>
+    <p:spTree>
+      <p:nvGrpSpPr>
+        <p:cNvPr id="1" name=""/>
+        <p:cNvGrpSpPr/>
+        <p:nvPr/>
+      </p:nvGrpSpPr>
+      <p:grpSpPr>
+        <a:xfrm>
+          <a:off x="0" y="0"/>
+          <a:ext cx="0" cy="0"/>
+          <a:chOff x="0" y="0"/>
+          <a:chExt cx="0" cy="0"/>
+        </a:xfrm>
+      </p:grpSpPr>
+      <p:pic>
+        <p:nvPicPr>
+          <p:cNvPr id="5" name="Picture 4" descr="A blue and orange logo&#10;&#10;Description automatically generated">
+            <a:extLst>
+              <a:ext uri="{FF2B5EF4-FFF2-40B4-BE49-F238E27FC236}">
+                <a16:creationId xmlns:a16="http://schemas.microsoft.com/office/drawing/2014/main" id="{5526DA06-2673-DAB5-88CB-29488D069486}"/>
+              </a:ext>
+            </a:extLst>
+          </p:cNvPr>
+          <p:cNvPicPr>
+            <a:picLocks noChangeAspect="1"/>
+          </p:cNvPicPr>
+          <p:nvPr/>
+        </p:nvPicPr>
+        <p:blipFill>
+          <a:blip r:embed="rId2"/>
+          <a:stretch>
+            <a:fillRect/>
+          </a:stretch>
+        </p:blipFill>
+        <p:spPr>
+          <a:xfrm>
+            <a:off x="2667000" y="0"/>
+            <a:ext cx="6858000" cy="6858000"/>
+          </a:xfrm>
+          <a:prstGeom prst="rect">
+            <a:avLst/>
+          </a:prstGeom>
+        </p:spPr>
+      </p:pic>
+      <p:pic>
+        <p:nvPicPr>
+          <p:cNvPr id="11" name="Graphic 10" descr="Saw blade with solid fill">
+            <a:extLst>
+              <a:ext uri="{FF2B5EF4-FFF2-40B4-BE49-F238E27FC236}">
+                <a16:creationId xmlns:a16="http://schemas.microsoft.com/office/drawing/2014/main" id="{5CDF4573-D4B9-FF7A-3E08-D5A02D19E339}"/>
+              </a:ext>
+            </a:extLst>
+          </p:cNvPr>
+          <p:cNvPicPr>
+            <a:picLocks noChangeAspect="1"/>
+          </p:cNvPicPr>
+          <p:nvPr/>
+        </p:nvPicPr>
+        <p:blipFill>
+          <a:blip r:embed="rId3">
+            <a:extLst>
+              <a:ext uri="{96DAC541-7B7A-43D3-8B79-37D633B846F1}">
+                <asvg:svgBlip xmlns:asvg="http://schemas.microsoft.com/office/drawing/2016/SVG/main" r:embed="rId4"/>
+              </a:ext>
+            </a:extLst>
+          </a:blip>
+          <a:stretch>
+            <a:fillRect/>
+          </a:stretch>
+        </p:blipFill>
+        <p:spPr>
+          <a:xfrm>
+            <a:off x="2473818" y="4825042"/>
+            <a:ext cx="2032958" cy="2032958"/>
+          </a:xfrm>
+          <a:prstGeom prst="rect">
+            <a:avLst/>
+          </a:prstGeom>
+        </p:spPr>
+      </p:pic>
+      <p:pic>
+        <p:nvPicPr>
+          <p:cNvPr id="12" name="Graphic 11" descr="Saw blade with solid fill">
+            <a:extLst>
+              <a:ext uri="{FF2B5EF4-FFF2-40B4-BE49-F238E27FC236}">
+                <a16:creationId xmlns:a16="http://schemas.microsoft.com/office/drawing/2014/main" id="{FE67FE77-06C4-69FB-FA13-49572EDEC967}"/>
+              </a:ext>
+            </a:extLst>
+          </p:cNvPr>
+          <p:cNvPicPr>
+            <a:picLocks noChangeAspect="1"/>
+          </p:cNvPicPr>
+          <p:nvPr/>
+        </p:nvPicPr>
+        <p:blipFill>
+          <a:blip r:embed="rId3">
+            <a:extLst>
+              <a:ext uri="{96DAC541-7B7A-43D3-8B79-37D633B846F1}">
+                <asvg:svgBlip xmlns:asvg="http://schemas.microsoft.com/office/drawing/2016/SVG/main" r:embed="rId4"/>
+              </a:ext>
+            </a:extLst>
+          </a:blip>
+          <a:stretch>
+            <a:fillRect/>
+          </a:stretch>
+        </p:blipFill>
+        <p:spPr>
+          <a:xfrm>
+            <a:off x="5079521" y="4825042"/>
+            <a:ext cx="2032958" cy="2032958"/>
+          </a:xfrm>
+          <a:prstGeom prst="rect">
+            <a:avLst/>
+          </a:prstGeom>
+        </p:spPr>
+      </p:pic>
+      <p:pic>
+        <p:nvPicPr>
+          <p:cNvPr id="13" name="Graphic 12" descr="Saw blade with solid fill">
+            <a:extLst>
+              <a:ext uri="{FF2B5EF4-FFF2-40B4-BE49-F238E27FC236}">
+                <a16:creationId xmlns:a16="http://schemas.microsoft.com/office/drawing/2014/main" id="{24F9E46C-4CDB-84D7-A692-886944D6F218}"/>
+              </a:ext>
+            </a:extLst>
+          </p:cNvPr>
+          <p:cNvPicPr>
+            <a:picLocks noChangeAspect="1"/>
+          </p:cNvPicPr>
+          <p:nvPr/>
+        </p:nvPicPr>
+        <p:blipFill>
+          <a:blip r:embed="rId3">
+            <a:extLst>
+              <a:ext uri="{96DAC541-7B7A-43D3-8B79-37D633B846F1}">
+                <asvg:svgBlip xmlns:asvg="http://schemas.microsoft.com/office/drawing/2016/SVG/main" r:embed="rId4"/>
+              </a:ext>
+            </a:extLst>
+          </a:blip>
+          <a:stretch>
+            <a:fillRect/>
+          </a:stretch>
+        </p:blipFill>
+        <p:spPr>
+          <a:xfrm>
+            <a:off x="7685224" y="4825042"/>
+            <a:ext cx="2032958" cy="2032958"/>
+          </a:xfrm>
+          <a:prstGeom prst="rect">
+            <a:avLst/>
+          </a:prstGeom>
+        </p:spPr>
+      </p:pic>
+    </p:spTree>
+    <p:extLst>
+      <p:ext uri="{BB962C8B-B14F-4D97-AF65-F5344CB8AC3E}">
+        <p14:creationId xmlns:p14="http://schemas.microsoft.com/office/powerpoint/2010/main" val="2784907950"/>
+      </p:ext>
+    </p:extLst>
+  </p:cSld>
+  <p:clrMapOvr>
+    <a:masterClrMapping/>
+  </p:clrMapOvr>
+</p:sld>
+</file>
+
 <file path=ppt/theme/theme1.xml><?xml version="1.0" encoding="utf-8"?>
 <a:theme xmlns:a="http://schemas.openxmlformats.org/drawingml/2006/main" name="Office Theme">
   <a:themeElements>

--- a/website/docs/static/kyverno-json-logo.pptx
+++ b/website/docs/static/kyverno-json-logo.pptx
@@ -6,7 +6,6 @@
   </p:sldMasterIdLst>
   <p:sldIdLst>
     <p:sldId id="259" r:id="rId2"/>
-    <p:sldId id="260" r:id="rId3"/>
   </p:sldIdLst>
   <p:sldSz cx="12192000" cy="6858000"/>
   <p:notesSz cx="6858000" cy="9144000"/>
@@ -260,7 +259,7 @@
           <a:p>
             <a:fld id="{6A332B9E-5CA3-2C4B-BC08-DE47B91FF319}" type="datetimeFigureOut">
               <a:rPr lang="en-US" smtClean="0"/>
-              <a:t>10/25/23</a:t>
+              <a:t>10/30/23</a:t>
             </a:fld>
             <a:endParaRPr lang="en-US"/>
           </a:p>
@@ -458,7 +457,7 @@
           <a:p>
             <a:fld id="{6A332B9E-5CA3-2C4B-BC08-DE47B91FF319}" type="datetimeFigureOut">
               <a:rPr lang="en-US" smtClean="0"/>
-              <a:t>10/25/23</a:t>
+              <a:t>10/30/23</a:t>
             </a:fld>
             <a:endParaRPr lang="en-US"/>
           </a:p>
@@ -666,7 +665,7 @@
           <a:p>
             <a:fld id="{6A332B9E-5CA3-2C4B-BC08-DE47B91FF319}" type="datetimeFigureOut">
               <a:rPr lang="en-US" smtClean="0"/>
-              <a:t>10/25/23</a:t>
+              <a:t>10/30/23</a:t>
             </a:fld>
             <a:endParaRPr lang="en-US"/>
           </a:p>
@@ -864,7 +863,7 @@
           <a:p>
             <a:fld id="{6A332B9E-5CA3-2C4B-BC08-DE47B91FF319}" type="datetimeFigureOut">
               <a:rPr lang="en-US" smtClean="0"/>
-              <a:t>10/25/23</a:t>
+              <a:t>10/30/23</a:t>
             </a:fld>
             <a:endParaRPr lang="en-US"/>
           </a:p>
@@ -1139,7 +1138,7 @@
           <a:p>
             <a:fld id="{6A332B9E-5CA3-2C4B-BC08-DE47B91FF319}" type="datetimeFigureOut">
               <a:rPr lang="en-US" smtClean="0"/>
-              <a:t>10/25/23</a:t>
+              <a:t>10/30/23</a:t>
             </a:fld>
             <a:endParaRPr lang="en-US"/>
           </a:p>
@@ -1404,7 +1403,7 @@
           <a:p>
             <a:fld id="{6A332B9E-5CA3-2C4B-BC08-DE47B91FF319}" type="datetimeFigureOut">
               <a:rPr lang="en-US" smtClean="0"/>
-              <a:t>10/25/23</a:t>
+              <a:t>10/30/23</a:t>
             </a:fld>
             <a:endParaRPr lang="en-US"/>
           </a:p>
@@ -1816,7 +1815,7 @@
           <a:p>
             <a:fld id="{6A332B9E-5CA3-2C4B-BC08-DE47B91FF319}" type="datetimeFigureOut">
               <a:rPr lang="en-US" smtClean="0"/>
-              <a:t>10/25/23</a:t>
+              <a:t>10/30/23</a:t>
             </a:fld>
             <a:endParaRPr lang="en-US"/>
           </a:p>
@@ -1957,7 +1956,7 @@
           <a:p>
             <a:fld id="{6A332B9E-5CA3-2C4B-BC08-DE47B91FF319}" type="datetimeFigureOut">
               <a:rPr lang="en-US" smtClean="0"/>
-              <a:t>10/25/23</a:t>
+              <a:t>10/30/23</a:t>
             </a:fld>
             <a:endParaRPr lang="en-US"/>
           </a:p>
@@ -2070,7 +2069,7 @@
           <a:p>
             <a:fld id="{6A332B9E-5CA3-2C4B-BC08-DE47B91FF319}" type="datetimeFigureOut">
               <a:rPr lang="en-US" smtClean="0"/>
-              <a:t>10/25/23</a:t>
+              <a:t>10/30/23</a:t>
             </a:fld>
             <a:endParaRPr lang="en-US"/>
           </a:p>
@@ -2381,7 +2380,7 @@
           <a:p>
             <a:fld id="{6A332B9E-5CA3-2C4B-BC08-DE47B91FF319}" type="datetimeFigureOut">
               <a:rPr lang="en-US" smtClean="0"/>
-              <a:t>10/25/23</a:t>
+              <a:t>10/30/23</a:t>
             </a:fld>
             <a:endParaRPr lang="en-US"/>
           </a:p>
@@ -2669,7 +2668,7 @@
           <a:p>
             <a:fld id="{6A332B9E-5CA3-2C4B-BC08-DE47B91FF319}" type="datetimeFigureOut">
               <a:rPr lang="en-US" smtClean="0"/>
-              <a:t>10/25/23</a:t>
+              <a:t>10/30/23</a:t>
             </a:fld>
             <a:endParaRPr lang="en-US"/>
           </a:p>
@@ -2910,7 +2909,7 @@
           <a:p>
             <a:fld id="{6A332B9E-5CA3-2C4B-BC08-DE47B91FF319}" type="datetimeFigureOut">
               <a:rPr lang="en-US" smtClean="0"/>
-              <a:t>10/25/23</a:t>
+              <a:t>10/30/23</a:t>
             </a:fld>
             <a:endParaRPr lang="en-US"/>
           </a:p>
@@ -3528,174 +3527,6 @@
 </p:sld>
 </file>
 
-<file path=ppt/slides/slide2.xml><?xml version="1.0" encoding="utf-8"?>
-<p:sld xmlns:a="http://schemas.openxmlformats.org/drawingml/2006/main" xmlns:r="http://schemas.openxmlformats.org/officeDocument/2006/relationships" xmlns:p="http://schemas.openxmlformats.org/presentationml/2006/main">
-  <p:cSld>
-    <p:spTree>
-      <p:nvGrpSpPr>
-        <p:cNvPr id="1" name=""/>
-        <p:cNvGrpSpPr/>
-        <p:nvPr/>
-      </p:nvGrpSpPr>
-      <p:grpSpPr>
-        <a:xfrm>
-          <a:off x="0" y="0"/>
-          <a:ext cx="0" cy="0"/>
-          <a:chOff x="0" y="0"/>
-          <a:chExt cx="0" cy="0"/>
-        </a:xfrm>
-      </p:grpSpPr>
-      <p:pic>
-        <p:nvPicPr>
-          <p:cNvPr id="5" name="Picture 4" descr="A blue and orange logo&#10;&#10;Description automatically generated">
-            <a:extLst>
-              <a:ext uri="{FF2B5EF4-FFF2-40B4-BE49-F238E27FC236}">
-                <a16:creationId xmlns:a16="http://schemas.microsoft.com/office/drawing/2014/main" id="{5526DA06-2673-DAB5-88CB-29488D069486}"/>
-              </a:ext>
-            </a:extLst>
-          </p:cNvPr>
-          <p:cNvPicPr>
-            <a:picLocks noChangeAspect="1"/>
-          </p:cNvPicPr>
-          <p:nvPr/>
-        </p:nvPicPr>
-        <p:blipFill>
-          <a:blip r:embed="rId2"/>
-          <a:stretch>
-            <a:fillRect/>
-          </a:stretch>
-        </p:blipFill>
-        <p:spPr>
-          <a:xfrm>
-            <a:off x="2667000" y="0"/>
-            <a:ext cx="6858000" cy="6858000"/>
-          </a:xfrm>
-          <a:prstGeom prst="rect">
-            <a:avLst/>
-          </a:prstGeom>
-        </p:spPr>
-      </p:pic>
-      <p:pic>
-        <p:nvPicPr>
-          <p:cNvPr id="11" name="Graphic 10" descr="Saw blade with solid fill">
-            <a:extLst>
-              <a:ext uri="{FF2B5EF4-FFF2-40B4-BE49-F238E27FC236}">
-                <a16:creationId xmlns:a16="http://schemas.microsoft.com/office/drawing/2014/main" id="{5CDF4573-D4B9-FF7A-3E08-D5A02D19E339}"/>
-              </a:ext>
-            </a:extLst>
-          </p:cNvPr>
-          <p:cNvPicPr>
-            <a:picLocks noChangeAspect="1"/>
-          </p:cNvPicPr>
-          <p:nvPr/>
-        </p:nvPicPr>
-        <p:blipFill>
-          <a:blip r:embed="rId3">
-            <a:extLst>
-              <a:ext uri="{96DAC541-7B7A-43D3-8B79-37D633B846F1}">
-                <asvg:svgBlip xmlns:asvg="http://schemas.microsoft.com/office/drawing/2016/SVG/main" r:embed="rId4"/>
-              </a:ext>
-            </a:extLst>
-          </a:blip>
-          <a:stretch>
-            <a:fillRect/>
-          </a:stretch>
-        </p:blipFill>
-        <p:spPr>
-          <a:xfrm>
-            <a:off x="2473818" y="4825042"/>
-            <a:ext cx="2032958" cy="2032958"/>
-          </a:xfrm>
-          <a:prstGeom prst="rect">
-            <a:avLst/>
-          </a:prstGeom>
-        </p:spPr>
-      </p:pic>
-      <p:pic>
-        <p:nvPicPr>
-          <p:cNvPr id="12" name="Graphic 11" descr="Saw blade with solid fill">
-            <a:extLst>
-              <a:ext uri="{FF2B5EF4-FFF2-40B4-BE49-F238E27FC236}">
-                <a16:creationId xmlns:a16="http://schemas.microsoft.com/office/drawing/2014/main" id="{FE67FE77-06C4-69FB-FA13-49572EDEC967}"/>
-              </a:ext>
-            </a:extLst>
-          </p:cNvPr>
-          <p:cNvPicPr>
-            <a:picLocks noChangeAspect="1"/>
-          </p:cNvPicPr>
-          <p:nvPr/>
-        </p:nvPicPr>
-        <p:blipFill>
-          <a:blip r:embed="rId3">
-            <a:extLst>
-              <a:ext uri="{96DAC541-7B7A-43D3-8B79-37D633B846F1}">
-                <asvg:svgBlip xmlns:asvg="http://schemas.microsoft.com/office/drawing/2016/SVG/main" r:embed="rId4"/>
-              </a:ext>
-            </a:extLst>
-          </a:blip>
-          <a:stretch>
-            <a:fillRect/>
-          </a:stretch>
-        </p:blipFill>
-        <p:spPr>
-          <a:xfrm>
-            <a:off x="5079521" y="4825042"/>
-            <a:ext cx="2032958" cy="2032958"/>
-          </a:xfrm>
-          <a:prstGeom prst="rect">
-            <a:avLst/>
-          </a:prstGeom>
-        </p:spPr>
-      </p:pic>
-      <p:pic>
-        <p:nvPicPr>
-          <p:cNvPr id="13" name="Graphic 12" descr="Saw blade with solid fill">
-            <a:extLst>
-              <a:ext uri="{FF2B5EF4-FFF2-40B4-BE49-F238E27FC236}">
-                <a16:creationId xmlns:a16="http://schemas.microsoft.com/office/drawing/2014/main" id="{24F9E46C-4CDB-84D7-A692-886944D6F218}"/>
-              </a:ext>
-            </a:extLst>
-          </p:cNvPr>
-          <p:cNvPicPr>
-            <a:picLocks noChangeAspect="1"/>
-          </p:cNvPicPr>
-          <p:nvPr/>
-        </p:nvPicPr>
-        <p:blipFill>
-          <a:blip r:embed="rId3">
-            <a:extLst>
-              <a:ext uri="{96DAC541-7B7A-43D3-8B79-37D633B846F1}">
-                <asvg:svgBlip xmlns:asvg="http://schemas.microsoft.com/office/drawing/2016/SVG/main" r:embed="rId4"/>
-              </a:ext>
-            </a:extLst>
-          </a:blip>
-          <a:stretch>
-            <a:fillRect/>
-          </a:stretch>
-        </p:blipFill>
-        <p:spPr>
-          <a:xfrm>
-            <a:off x="7685224" y="4825042"/>
-            <a:ext cx="2032958" cy="2032958"/>
-          </a:xfrm>
-          <a:prstGeom prst="rect">
-            <a:avLst/>
-          </a:prstGeom>
-        </p:spPr>
-      </p:pic>
-    </p:spTree>
-    <p:extLst>
-      <p:ext uri="{BB962C8B-B14F-4D97-AF65-F5344CB8AC3E}">
-        <p14:creationId xmlns:p14="http://schemas.microsoft.com/office/powerpoint/2010/main" val="2784907950"/>
-      </p:ext>
-    </p:extLst>
-  </p:cSld>
-  <p:clrMapOvr>
-    <a:masterClrMapping/>
-  </p:clrMapOvr>
-</p:sld>
-</file>
-
 <file path=ppt/theme/theme1.xml><?xml version="1.0" encoding="utf-8"?>
 <a:theme xmlns:a="http://schemas.openxmlformats.org/drawingml/2006/main" name="Office Theme">
   <a:themeElements>
